--- a/Java SE 8 Teaching Material/Chapter 14 - Debugging and Exception Handling/Chapter 14 - Debugging and Exception Handling.pptx
+++ b/Java SE 8 Teaching Material/Chapter 14 - Debugging and Exception Handling/Chapter 14 - Debugging and Exception Handling.pptx
@@ -5,7 +5,7 @@
     <p:sldMasterId id="2147483648" r:id="rId1"/>
   </p:sldMasterIdLst>
   <p:notesMasterIdLst>
-    <p:notesMasterId r:id="rId16"/>
+    <p:notesMasterId r:id="rId15"/>
   </p:notesMasterIdLst>
   <p:sldIdLst>
     <p:sldId id="256" r:id="rId2"/>
@@ -14,14 +14,13 @@
     <p:sldId id="261" r:id="rId5"/>
     <p:sldId id="262" r:id="rId6"/>
     <p:sldId id="263" r:id="rId7"/>
-    <p:sldId id="264" r:id="rId8"/>
-    <p:sldId id="265" r:id="rId9"/>
-    <p:sldId id="266" r:id="rId10"/>
-    <p:sldId id="267" r:id="rId11"/>
-    <p:sldId id="268" r:id="rId12"/>
-    <p:sldId id="269" r:id="rId13"/>
-    <p:sldId id="270" r:id="rId14"/>
-    <p:sldId id="271" r:id="rId15"/>
+    <p:sldId id="265" r:id="rId8"/>
+    <p:sldId id="266" r:id="rId9"/>
+    <p:sldId id="267" r:id="rId10"/>
+    <p:sldId id="268" r:id="rId11"/>
+    <p:sldId id="269" r:id="rId12"/>
+    <p:sldId id="270" r:id="rId13"/>
+    <p:sldId id="271" r:id="rId14"/>
   </p:sldIdLst>
   <p:sldSz cx="12192000" cy="6858000"/>
   <p:notesSz cx="6858000" cy="9144000"/>
@@ -131,7 +130,6 @@
             <p14:sldId id="261"/>
             <p14:sldId id="262"/>
             <p14:sldId id="263"/>
-            <p14:sldId id="264"/>
             <p14:sldId id="265"/>
             <p14:sldId id="266"/>
             <p14:sldId id="267"/>
@@ -1616,7 +1614,7 @@
           <a:p>
             <a:fld id="{7664DC43-F744-704A-A194-E80C7BE54CAA}" type="datetimeFigureOut">
               <a:rPr lang="en-VN" smtClean="0"/>
-              <a:t>22/9/24</a:t>
+              <a:t>09/23/2024</a:t>
             </a:fld>
             <a:endParaRPr lang="en-VN"/>
           </a:p>
@@ -2031,7 +2029,7 @@
           <a:p>
             <a:fld id="{BAA8DE05-51EE-4692-B197-877FA1DAAAED}" type="datetimeFigureOut">
               <a:rPr lang="en-US" smtClean="0"/>
-              <a:t>9/22/24</a:t>
+              <a:t>9/23/2024</a:t>
             </a:fld>
             <a:endParaRPr lang="en-US"/>
           </a:p>
@@ -2229,7 +2227,7 @@
           <a:p>
             <a:fld id="{BAA8DE05-51EE-4692-B197-877FA1DAAAED}" type="datetimeFigureOut">
               <a:rPr lang="en-US" smtClean="0"/>
-              <a:t>9/22/24</a:t>
+              <a:t>9/23/2024</a:t>
             </a:fld>
             <a:endParaRPr lang="en-US"/>
           </a:p>
@@ -2437,7 +2435,7 @@
           <a:p>
             <a:fld id="{BAA8DE05-51EE-4692-B197-877FA1DAAAED}" type="datetimeFigureOut">
               <a:rPr lang="en-US" smtClean="0"/>
-              <a:t>9/22/24</a:t>
+              <a:t>9/23/2024</a:t>
             </a:fld>
             <a:endParaRPr lang="en-US"/>
           </a:p>
@@ -2635,7 +2633,7 @@
           <a:p>
             <a:fld id="{BAA8DE05-51EE-4692-B197-877FA1DAAAED}" type="datetimeFigureOut">
               <a:rPr lang="en-US" smtClean="0"/>
-              <a:t>9/22/24</a:t>
+              <a:t>9/23/2024</a:t>
             </a:fld>
             <a:endParaRPr lang="en-US"/>
           </a:p>
@@ -2910,7 +2908,7 @@
           <a:p>
             <a:fld id="{BAA8DE05-51EE-4692-B197-877FA1DAAAED}" type="datetimeFigureOut">
               <a:rPr lang="en-US" smtClean="0"/>
-              <a:t>9/22/24</a:t>
+              <a:t>9/23/2024</a:t>
             </a:fld>
             <a:endParaRPr lang="en-US"/>
           </a:p>
@@ -3175,7 +3173,7 @@
           <a:p>
             <a:fld id="{BAA8DE05-51EE-4692-B197-877FA1DAAAED}" type="datetimeFigureOut">
               <a:rPr lang="en-US" smtClean="0"/>
-              <a:t>9/22/24</a:t>
+              <a:t>9/23/2024</a:t>
             </a:fld>
             <a:endParaRPr lang="en-US"/>
           </a:p>
@@ -3587,7 +3585,7 @@
           <a:p>
             <a:fld id="{BAA8DE05-51EE-4692-B197-877FA1DAAAED}" type="datetimeFigureOut">
               <a:rPr lang="en-US" smtClean="0"/>
-              <a:t>9/22/24</a:t>
+              <a:t>9/23/2024</a:t>
             </a:fld>
             <a:endParaRPr lang="en-US"/>
           </a:p>
@@ -3728,7 +3726,7 @@
           <a:p>
             <a:fld id="{BAA8DE05-51EE-4692-B197-877FA1DAAAED}" type="datetimeFigureOut">
               <a:rPr lang="en-US" smtClean="0"/>
-              <a:t>9/22/24</a:t>
+              <a:t>9/23/2024</a:t>
             </a:fld>
             <a:endParaRPr lang="en-US"/>
           </a:p>
@@ -3841,7 +3839,7 @@
           <a:p>
             <a:fld id="{BAA8DE05-51EE-4692-B197-877FA1DAAAED}" type="datetimeFigureOut">
               <a:rPr lang="en-US" smtClean="0"/>
-              <a:t>9/22/24</a:t>
+              <a:t>9/23/2024</a:t>
             </a:fld>
             <a:endParaRPr lang="en-US"/>
           </a:p>
@@ -4152,7 +4150,7 @@
           <a:p>
             <a:fld id="{BAA8DE05-51EE-4692-B197-877FA1DAAAED}" type="datetimeFigureOut">
               <a:rPr lang="en-US" smtClean="0"/>
-              <a:t>9/22/24</a:t>
+              <a:t>9/23/2024</a:t>
             </a:fld>
             <a:endParaRPr lang="en-US"/>
           </a:p>
@@ -4440,7 +4438,7 @@
           <a:p>
             <a:fld id="{BAA8DE05-51EE-4692-B197-877FA1DAAAED}" type="datetimeFigureOut">
               <a:rPr lang="en-US" smtClean="0"/>
-              <a:t>9/22/24</a:t>
+              <a:t>9/23/2024</a:t>
             </a:fld>
             <a:endParaRPr lang="en-US"/>
           </a:p>
@@ -4681,7 +4679,7 @@
           <a:p>
             <a:fld id="{BAA8DE05-51EE-4692-B197-877FA1DAAAED}" type="datetimeFigureOut">
               <a:rPr lang="en-US" smtClean="0"/>
-              <a:t>9/22/24</a:t>
+              <a:t>9/23/2024</a:t>
             </a:fld>
             <a:endParaRPr lang="en-US"/>
           </a:p>
@@ -5169,649 +5167,6 @@
 </file>
 
 <file path=ppt/slides/slide10.xml><?xml version="1.0" encoding="utf-8"?>
-<p:sld xmlns:a="http://schemas.openxmlformats.org/drawingml/2006/main" xmlns:r="http://schemas.openxmlformats.org/officeDocument/2006/relationships" xmlns:p="http://schemas.openxmlformats.org/presentationml/2006/main">
-  <p:cSld>
-    <p:spTree>
-      <p:nvGrpSpPr>
-        <p:cNvPr id="1" name="">
-          <a:extLst>
-            <a:ext uri="{FF2B5EF4-FFF2-40B4-BE49-F238E27FC236}">
-              <a16:creationId xmlns:a16="http://schemas.microsoft.com/office/drawing/2014/main" id="{F174B013-DD5D-8DEE-B430-65EA5A386B76}"/>
-            </a:ext>
-          </a:extLst>
-        </p:cNvPr>
-        <p:cNvGrpSpPr/>
-        <p:nvPr/>
-      </p:nvGrpSpPr>
-      <p:grpSpPr>
-        <a:xfrm>
-          <a:off x="0" y="0"/>
-          <a:ext cx="0" cy="0"/>
-          <a:chOff x="0" y="0"/>
-          <a:chExt cx="0" cy="0"/>
-        </a:xfrm>
-      </p:grpSpPr>
-      <p:sp>
-        <p:nvSpPr>
-          <p:cNvPr id="3" name="Subtitle 2">
-            <a:extLst>
-              <a:ext uri="{FF2B5EF4-FFF2-40B4-BE49-F238E27FC236}">
-                <a16:creationId xmlns:a16="http://schemas.microsoft.com/office/drawing/2014/main" id="{CD621118-E972-8CD4-5944-E7D587E8D4FE}"/>
-              </a:ext>
-            </a:extLst>
-          </p:cNvPr>
-          <p:cNvSpPr>
-            <a:spLocks noGrp="1"/>
-          </p:cNvSpPr>
-          <p:nvPr>
-            <p:ph type="subTitle" idx="1"/>
-          </p:nvPr>
-        </p:nvSpPr>
-        <p:spPr>
-          <a:xfrm>
-            <a:off x="118518" y="170399"/>
-            <a:ext cx="11768682" cy="302212"/>
-          </a:xfrm>
-        </p:spPr>
-        <p:txBody>
-          <a:bodyPr>
-            <a:normAutofit fontScale="92500" lnSpcReduction="20000"/>
-          </a:bodyPr>
-          <a:lstStyle/>
-          <a:p>
-            <a:r>
-              <a:rPr lang="en-US" sz="1800" b="1" dirty="0"/>
-              <a:t>14.2 Differentiate among checked, unchecked exceptions and Error </a:t>
-            </a:r>
-            <a:r>
-              <a:rPr lang="en-US" sz="1800" dirty="0"/>
-              <a:t>– 14.2.1 Checked and Unchecked exception</a:t>
-            </a:r>
-            <a:r>
-              <a:rPr lang="en-US" sz="1800" b="1" dirty="0"/>
-              <a:t> </a:t>
-            </a:r>
-          </a:p>
-        </p:txBody>
-      </p:sp>
-      <p:sp>
-        <p:nvSpPr>
-          <p:cNvPr id="4" name="Subtitle 2">
-            <a:extLst>
-              <a:ext uri="{FF2B5EF4-FFF2-40B4-BE49-F238E27FC236}">
-                <a16:creationId xmlns:a16="http://schemas.microsoft.com/office/drawing/2014/main" id="{7EEBA214-AF80-FD4B-BB92-928557A37C1D}"/>
-              </a:ext>
-            </a:extLst>
-          </p:cNvPr>
-          <p:cNvSpPr txBox="1">
-            <a:spLocks/>
-          </p:cNvSpPr>
-          <p:nvPr/>
-        </p:nvSpPr>
-        <p:spPr>
-          <a:xfrm>
-            <a:off x="0" y="820738"/>
-            <a:ext cx="12192000" cy="6037262"/>
-          </a:xfrm>
-          <a:prstGeom prst="rect">
-            <a:avLst/>
-          </a:prstGeom>
-        </p:spPr>
-        <p:txBody>
-          <a:bodyPr vert="horz" lIns="91440" tIns="45720" rIns="91440" bIns="45720" rtlCol="0">
-            <a:normAutofit/>
-          </a:bodyPr>
-          <a:lstStyle>
-            <a:lvl1pPr marL="0" indent="0" algn="ctr" defTabSz="914400" rtl="0" eaLnBrk="1" latinLnBrk="0" hangingPunct="1">
-              <a:lnSpc>
-                <a:spcPct val="90000"/>
-              </a:lnSpc>
-              <a:spcBef>
-                <a:spcPts val="1000"/>
-              </a:spcBef>
-              <a:buFont typeface="Arial" panose="020B0604020202020204" pitchFamily="34" charset="0"/>
-              <a:buNone/>
-              <a:defRPr sz="2400" kern="1200">
-                <a:solidFill>
-                  <a:schemeClr val="tx1"/>
-                </a:solidFill>
-                <a:latin typeface="+mn-lt"/>
-                <a:ea typeface="+mn-ea"/>
-                <a:cs typeface="+mn-cs"/>
-              </a:defRPr>
-            </a:lvl1pPr>
-            <a:lvl2pPr marL="457200" indent="0" algn="ctr" defTabSz="914400" rtl="0" eaLnBrk="1" latinLnBrk="0" hangingPunct="1">
-              <a:lnSpc>
-                <a:spcPct val="90000"/>
-              </a:lnSpc>
-              <a:spcBef>
-                <a:spcPts val="500"/>
-              </a:spcBef>
-              <a:buFont typeface="Arial" panose="020B0604020202020204" pitchFamily="34" charset="0"/>
-              <a:buNone/>
-              <a:defRPr sz="2000" kern="1200">
-                <a:solidFill>
-                  <a:schemeClr val="tx1"/>
-                </a:solidFill>
-                <a:latin typeface="+mn-lt"/>
-                <a:ea typeface="+mn-ea"/>
-                <a:cs typeface="+mn-cs"/>
-              </a:defRPr>
-            </a:lvl2pPr>
-            <a:lvl3pPr marL="914400" indent="0" algn="ctr" defTabSz="914400" rtl="0" eaLnBrk="1" latinLnBrk="0" hangingPunct="1">
-              <a:lnSpc>
-                <a:spcPct val="90000"/>
-              </a:lnSpc>
-              <a:spcBef>
-                <a:spcPts val="500"/>
-              </a:spcBef>
-              <a:buFont typeface="Arial" panose="020B0604020202020204" pitchFamily="34" charset="0"/>
-              <a:buNone/>
-              <a:defRPr sz="1800" kern="1200">
-                <a:solidFill>
-                  <a:schemeClr val="tx1"/>
-                </a:solidFill>
-                <a:latin typeface="+mn-lt"/>
-                <a:ea typeface="+mn-ea"/>
-                <a:cs typeface="+mn-cs"/>
-              </a:defRPr>
-            </a:lvl3pPr>
-            <a:lvl4pPr marL="1371600" indent="0" algn="ctr" defTabSz="914400" rtl="0" eaLnBrk="1" latinLnBrk="0" hangingPunct="1">
-              <a:lnSpc>
-                <a:spcPct val="90000"/>
-              </a:lnSpc>
-              <a:spcBef>
-                <a:spcPts val="500"/>
-              </a:spcBef>
-              <a:buFont typeface="Arial" panose="020B0604020202020204" pitchFamily="34" charset="0"/>
-              <a:buNone/>
-              <a:defRPr sz="1600" kern="1200">
-                <a:solidFill>
-                  <a:schemeClr val="tx1"/>
-                </a:solidFill>
-                <a:latin typeface="+mn-lt"/>
-                <a:ea typeface="+mn-ea"/>
-                <a:cs typeface="+mn-cs"/>
-              </a:defRPr>
-            </a:lvl4pPr>
-            <a:lvl5pPr marL="1828800" indent="0" algn="ctr" defTabSz="914400" rtl="0" eaLnBrk="1" latinLnBrk="0" hangingPunct="1">
-              <a:lnSpc>
-                <a:spcPct val="90000"/>
-              </a:lnSpc>
-              <a:spcBef>
-                <a:spcPts val="500"/>
-              </a:spcBef>
-              <a:buFont typeface="Arial" panose="020B0604020202020204" pitchFamily="34" charset="0"/>
-              <a:buNone/>
-              <a:defRPr sz="1600" kern="1200">
-                <a:solidFill>
-                  <a:schemeClr val="tx1"/>
-                </a:solidFill>
-                <a:latin typeface="+mn-lt"/>
-                <a:ea typeface="+mn-ea"/>
-                <a:cs typeface="+mn-cs"/>
-              </a:defRPr>
-            </a:lvl5pPr>
-            <a:lvl6pPr marL="2286000" indent="0" algn="ctr" defTabSz="914400" rtl="0" eaLnBrk="1" latinLnBrk="0" hangingPunct="1">
-              <a:lnSpc>
-                <a:spcPct val="90000"/>
-              </a:lnSpc>
-              <a:spcBef>
-                <a:spcPts val="500"/>
-              </a:spcBef>
-              <a:buFont typeface="Arial" panose="020B0604020202020204" pitchFamily="34" charset="0"/>
-              <a:buNone/>
-              <a:defRPr sz="1600" kern="1200">
-                <a:solidFill>
-                  <a:schemeClr val="tx1"/>
-                </a:solidFill>
-                <a:latin typeface="+mn-lt"/>
-                <a:ea typeface="+mn-ea"/>
-                <a:cs typeface="+mn-cs"/>
-              </a:defRPr>
-            </a:lvl6pPr>
-            <a:lvl7pPr marL="2743200" indent="0" algn="ctr" defTabSz="914400" rtl="0" eaLnBrk="1" latinLnBrk="0" hangingPunct="1">
-              <a:lnSpc>
-                <a:spcPct val="90000"/>
-              </a:lnSpc>
-              <a:spcBef>
-                <a:spcPts val="500"/>
-              </a:spcBef>
-              <a:buFont typeface="Arial" panose="020B0604020202020204" pitchFamily="34" charset="0"/>
-              <a:buNone/>
-              <a:defRPr sz="1600" kern="1200">
-                <a:solidFill>
-                  <a:schemeClr val="tx1"/>
-                </a:solidFill>
-                <a:latin typeface="+mn-lt"/>
-                <a:ea typeface="+mn-ea"/>
-                <a:cs typeface="+mn-cs"/>
-              </a:defRPr>
-            </a:lvl7pPr>
-            <a:lvl8pPr marL="3200400" indent="0" algn="ctr" defTabSz="914400" rtl="0" eaLnBrk="1" latinLnBrk="0" hangingPunct="1">
-              <a:lnSpc>
-                <a:spcPct val="90000"/>
-              </a:lnSpc>
-              <a:spcBef>
-                <a:spcPts val="500"/>
-              </a:spcBef>
-              <a:buFont typeface="Arial" panose="020B0604020202020204" pitchFamily="34" charset="0"/>
-              <a:buNone/>
-              <a:defRPr sz="1600" kern="1200">
-                <a:solidFill>
-                  <a:schemeClr val="tx1"/>
-                </a:solidFill>
-                <a:latin typeface="+mn-lt"/>
-                <a:ea typeface="+mn-ea"/>
-                <a:cs typeface="+mn-cs"/>
-              </a:defRPr>
-            </a:lvl8pPr>
-            <a:lvl9pPr marL="3657600" indent="0" algn="ctr" defTabSz="914400" rtl="0" eaLnBrk="1" latinLnBrk="0" hangingPunct="1">
-              <a:lnSpc>
-                <a:spcPct val="90000"/>
-              </a:lnSpc>
-              <a:spcBef>
-                <a:spcPts val="500"/>
-              </a:spcBef>
-              <a:buFont typeface="Arial" panose="020B0604020202020204" pitchFamily="34" charset="0"/>
-              <a:buNone/>
-              <a:defRPr sz="1600" kern="1200">
-                <a:solidFill>
-                  <a:schemeClr val="tx1"/>
-                </a:solidFill>
-                <a:latin typeface="+mn-lt"/>
-                <a:ea typeface="+mn-ea"/>
-                <a:cs typeface="+mn-cs"/>
-              </a:defRPr>
-            </a:lvl9pPr>
-          </a:lstStyle>
-          <a:p>
-            <a:pPr algn="l"/>
-            <a:r>
-              <a:rPr lang="en-US" sz="1800" dirty="0"/>
-              <a:t>- In the previous section, we have discussed about 2 types of exception, one that the developer ... and one that developer ... </a:t>
-            </a:r>
-          </a:p>
-          <a:p>
-            <a:pPr algn="l"/>
-            <a:r>
-              <a:rPr lang="en-US" sz="1800" dirty="0"/>
-              <a:t>- With the type of exception that the developer knows about it, he must ... by using .... For example, if the read-write file program can't read a file properly, the developer must design ... because these situation are still solvable =&gt; these are called checked exception</a:t>
-            </a:r>
-          </a:p>
-          <a:p>
-            <a:pPr algn="l"/>
-            <a:r>
-              <a:rPr lang="en-US" sz="1800" dirty="0"/>
-              <a:t>– However, with a program that requires a specific type of input, developers (and definitely ...) are expecting us to ... Or another example is the data array is null =&gt; developer ... =&gt; ... these exceptions won't help us anything since it is an indication of ... in our code =&gt; we must ... if it happens during development =&gt; But if it happens during production, we must ... at a higher level since it is related to the data that user ... into the program and we can't control this =&gt; a ... must be deployed at a higer level </a:t>
-            </a:r>
-          </a:p>
-          <a:p>
-            <a:pPr algn="l"/>
-            <a:r>
-              <a:rPr lang="en-US" sz="1800" dirty="0"/>
-              <a:t>- These are called unchecked exception, because the developer can't ... or it is user ...</a:t>
-            </a:r>
-          </a:p>
-          <a:p>
-            <a:pPr algn="l"/>
-            <a:r>
-              <a:rPr lang="en-US" sz="1800" dirty="0"/>
-              <a:t>– There are 2 types of unchecked exception, ... and ...</a:t>
-            </a:r>
-          </a:p>
-          <a:p>
-            <a:pPr algn="l"/>
-            <a:r>
-              <a:rPr lang="en-US" sz="1800" dirty="0"/>
-              <a:t>- Categorizing between predicted-exceptional situation and unpredicted-exceptional situation depends on the meaning of the creation of the method. For example, a method receives null parameter could ... or .... The situation where the method recieves null parameter and leads to ... are considered as ... in the code =&gt; these are called </a:t>
-            </a:r>
-            <a:r>
-              <a:rPr lang="en-US" sz="1800" b="1" dirty="0"/>
-              <a:t>runtime exception</a:t>
-            </a:r>
-            <a:endParaRPr lang="en-US" sz="1800" dirty="0"/>
-          </a:p>
-        </p:txBody>
-      </p:sp>
-    </p:spTree>
-    <p:extLst>
-      <p:ext uri="{BB962C8B-B14F-4D97-AF65-F5344CB8AC3E}">
-        <p14:creationId xmlns:p14="http://schemas.microsoft.com/office/powerpoint/2010/main" val="1787205021"/>
-      </p:ext>
-    </p:extLst>
-  </p:cSld>
-  <p:clrMapOvr>
-    <a:masterClrMapping/>
-  </p:clrMapOvr>
-  <p:timing>
-    <p:tnLst>
-      <p:par>
-        <p:cTn id="1" dur="indefinite" restart="never" nodeType="tmRoot">
-          <p:childTnLst>
-            <p:seq concurrent="1" nextAc="seek">
-              <p:cTn id="2" dur="indefinite" nodeType="mainSeq">
-                <p:childTnLst>
-                  <p:par>
-                    <p:cTn id="3" fill="hold">
-                      <p:stCondLst>
-                        <p:cond delay="indefinite"/>
-                      </p:stCondLst>
-                      <p:childTnLst>
-                        <p:par>
-                          <p:cTn id="4" fill="hold">
-                            <p:stCondLst>
-                              <p:cond delay="0"/>
-                            </p:stCondLst>
-                            <p:childTnLst>
-                              <p:par>
-                                <p:cTn id="5" presetID="1" presetClass="entr" presetSubtype="0" fill="hold" nodeType="clickEffect">
-                                  <p:stCondLst>
-                                    <p:cond delay="0"/>
-                                  </p:stCondLst>
-                                  <p:childTnLst>
-                                    <p:set>
-                                      <p:cBhvr>
-                                        <p:cTn id="6" dur="1" fill="hold">
-                                          <p:stCondLst>
-                                            <p:cond delay="0"/>
-                                          </p:stCondLst>
-                                        </p:cTn>
-                                        <p:tgtEl>
-                                          <p:spTgt spid="4">
-                                            <p:txEl>
-                                              <p:pRg st="0" end="0"/>
-                                            </p:txEl>
-                                          </p:spTgt>
-                                        </p:tgtEl>
-                                        <p:attrNameLst>
-                                          <p:attrName>style.visibility</p:attrName>
-                                        </p:attrNameLst>
-                                      </p:cBhvr>
-                                      <p:to>
-                                        <p:strVal val="visible"/>
-                                      </p:to>
-                                    </p:set>
-                                  </p:childTnLst>
-                                </p:cTn>
-                              </p:par>
-                            </p:childTnLst>
-                          </p:cTn>
-                        </p:par>
-                      </p:childTnLst>
-                    </p:cTn>
-                  </p:par>
-                  <p:par>
-                    <p:cTn id="7" fill="hold">
-                      <p:stCondLst>
-                        <p:cond delay="indefinite"/>
-                      </p:stCondLst>
-                      <p:childTnLst>
-                        <p:par>
-                          <p:cTn id="8" fill="hold">
-                            <p:stCondLst>
-                              <p:cond delay="0"/>
-                            </p:stCondLst>
-                            <p:childTnLst>
-                              <p:par>
-                                <p:cTn id="9" presetID="1" presetClass="entr" presetSubtype="0" fill="hold" nodeType="clickEffect">
-                                  <p:stCondLst>
-                                    <p:cond delay="0"/>
-                                  </p:stCondLst>
-                                  <p:childTnLst>
-                                    <p:set>
-                                      <p:cBhvr>
-                                        <p:cTn id="10" dur="1" fill="hold">
-                                          <p:stCondLst>
-                                            <p:cond delay="0"/>
-                                          </p:stCondLst>
-                                        </p:cTn>
-                                        <p:tgtEl>
-                                          <p:spTgt spid="4">
-                                            <p:txEl>
-                                              <p:pRg st="1" end="1"/>
-                                            </p:txEl>
-                                          </p:spTgt>
-                                        </p:tgtEl>
-                                        <p:attrNameLst>
-                                          <p:attrName>style.visibility</p:attrName>
-                                        </p:attrNameLst>
-                                      </p:cBhvr>
-                                      <p:to>
-                                        <p:strVal val="visible"/>
-                                      </p:to>
-                                    </p:set>
-                                  </p:childTnLst>
-                                </p:cTn>
-                              </p:par>
-                            </p:childTnLst>
-                          </p:cTn>
-                        </p:par>
-                      </p:childTnLst>
-                    </p:cTn>
-                  </p:par>
-                  <p:par>
-                    <p:cTn id="11" fill="hold">
-                      <p:stCondLst>
-                        <p:cond delay="indefinite"/>
-                      </p:stCondLst>
-                      <p:childTnLst>
-                        <p:par>
-                          <p:cTn id="12" fill="hold">
-                            <p:stCondLst>
-                              <p:cond delay="0"/>
-                            </p:stCondLst>
-                            <p:childTnLst>
-                              <p:par>
-                                <p:cTn id="13" presetID="1" presetClass="entr" presetSubtype="0" fill="hold" nodeType="clickEffect">
-                                  <p:stCondLst>
-                                    <p:cond delay="0"/>
-                                  </p:stCondLst>
-                                  <p:childTnLst>
-                                    <p:set>
-                                      <p:cBhvr>
-                                        <p:cTn id="14" dur="1" fill="hold">
-                                          <p:stCondLst>
-                                            <p:cond delay="0"/>
-                                          </p:stCondLst>
-                                        </p:cTn>
-                                        <p:tgtEl>
-                                          <p:spTgt spid="4">
-                                            <p:txEl>
-                                              <p:pRg st="2" end="2"/>
-                                            </p:txEl>
-                                          </p:spTgt>
-                                        </p:tgtEl>
-                                        <p:attrNameLst>
-                                          <p:attrName>style.visibility</p:attrName>
-                                        </p:attrNameLst>
-                                      </p:cBhvr>
-                                      <p:to>
-                                        <p:strVal val="visible"/>
-                                      </p:to>
-                                    </p:set>
-                                  </p:childTnLst>
-                                </p:cTn>
-                              </p:par>
-                            </p:childTnLst>
-                          </p:cTn>
-                        </p:par>
-                      </p:childTnLst>
-                    </p:cTn>
-                  </p:par>
-                  <p:par>
-                    <p:cTn id="15" fill="hold">
-                      <p:stCondLst>
-                        <p:cond delay="indefinite"/>
-                      </p:stCondLst>
-                      <p:childTnLst>
-                        <p:par>
-                          <p:cTn id="16" fill="hold">
-                            <p:stCondLst>
-                              <p:cond delay="0"/>
-                            </p:stCondLst>
-                            <p:childTnLst>
-                              <p:par>
-                                <p:cTn id="17" presetID="1" presetClass="entr" presetSubtype="0" fill="hold" nodeType="clickEffect">
-                                  <p:stCondLst>
-                                    <p:cond delay="0"/>
-                                  </p:stCondLst>
-                                  <p:childTnLst>
-                                    <p:set>
-                                      <p:cBhvr>
-                                        <p:cTn id="18" dur="1" fill="hold">
-                                          <p:stCondLst>
-                                            <p:cond delay="0"/>
-                                          </p:stCondLst>
-                                        </p:cTn>
-                                        <p:tgtEl>
-                                          <p:spTgt spid="4">
-                                            <p:txEl>
-                                              <p:pRg st="3" end="3"/>
-                                            </p:txEl>
-                                          </p:spTgt>
-                                        </p:tgtEl>
-                                        <p:attrNameLst>
-                                          <p:attrName>style.visibility</p:attrName>
-                                        </p:attrNameLst>
-                                      </p:cBhvr>
-                                      <p:to>
-                                        <p:strVal val="visible"/>
-                                      </p:to>
-                                    </p:set>
-                                  </p:childTnLst>
-                                </p:cTn>
-                              </p:par>
-                            </p:childTnLst>
-                          </p:cTn>
-                        </p:par>
-                      </p:childTnLst>
-                    </p:cTn>
-                  </p:par>
-                  <p:par>
-                    <p:cTn id="19" fill="hold">
-                      <p:stCondLst>
-                        <p:cond delay="indefinite"/>
-                      </p:stCondLst>
-                      <p:childTnLst>
-                        <p:par>
-                          <p:cTn id="20" fill="hold">
-                            <p:stCondLst>
-                              <p:cond delay="0"/>
-                            </p:stCondLst>
-                            <p:childTnLst>
-                              <p:par>
-                                <p:cTn id="21" presetID="1" presetClass="entr" presetSubtype="0" fill="hold" nodeType="clickEffect">
-                                  <p:stCondLst>
-                                    <p:cond delay="0"/>
-                                  </p:stCondLst>
-                                  <p:childTnLst>
-                                    <p:set>
-                                      <p:cBhvr>
-                                        <p:cTn id="22" dur="1" fill="hold">
-                                          <p:stCondLst>
-                                            <p:cond delay="0"/>
-                                          </p:stCondLst>
-                                        </p:cTn>
-                                        <p:tgtEl>
-                                          <p:spTgt spid="4">
-                                            <p:txEl>
-                                              <p:pRg st="4" end="4"/>
-                                            </p:txEl>
-                                          </p:spTgt>
-                                        </p:tgtEl>
-                                        <p:attrNameLst>
-                                          <p:attrName>style.visibility</p:attrName>
-                                        </p:attrNameLst>
-                                      </p:cBhvr>
-                                      <p:to>
-                                        <p:strVal val="visible"/>
-                                      </p:to>
-                                    </p:set>
-                                  </p:childTnLst>
-                                </p:cTn>
-                              </p:par>
-                            </p:childTnLst>
-                          </p:cTn>
-                        </p:par>
-                      </p:childTnLst>
-                    </p:cTn>
-                  </p:par>
-                  <p:par>
-                    <p:cTn id="23" fill="hold">
-                      <p:stCondLst>
-                        <p:cond delay="indefinite"/>
-                      </p:stCondLst>
-                      <p:childTnLst>
-                        <p:par>
-                          <p:cTn id="24" fill="hold">
-                            <p:stCondLst>
-                              <p:cond delay="0"/>
-                            </p:stCondLst>
-                            <p:childTnLst>
-                              <p:par>
-                                <p:cTn id="25" presetID="1" presetClass="entr" presetSubtype="0" fill="hold" nodeType="clickEffect">
-                                  <p:stCondLst>
-                                    <p:cond delay="0"/>
-                                  </p:stCondLst>
-                                  <p:childTnLst>
-                                    <p:set>
-                                      <p:cBhvr>
-                                        <p:cTn id="26" dur="1" fill="hold">
-                                          <p:stCondLst>
-                                            <p:cond delay="0"/>
-                                          </p:stCondLst>
-                                        </p:cTn>
-                                        <p:tgtEl>
-                                          <p:spTgt spid="4">
-                                            <p:txEl>
-                                              <p:pRg st="5" end="5"/>
-                                            </p:txEl>
-                                          </p:spTgt>
-                                        </p:tgtEl>
-                                        <p:attrNameLst>
-                                          <p:attrName>style.visibility</p:attrName>
-                                        </p:attrNameLst>
-                                      </p:cBhvr>
-                                      <p:to>
-                                        <p:strVal val="visible"/>
-                                      </p:to>
-                                    </p:set>
-                                  </p:childTnLst>
-                                </p:cTn>
-                              </p:par>
-                            </p:childTnLst>
-                          </p:cTn>
-                        </p:par>
-                      </p:childTnLst>
-                    </p:cTn>
-                  </p:par>
-                </p:childTnLst>
-              </p:cTn>
-              <p:prevCondLst>
-                <p:cond evt="onPrev" delay="0">
-                  <p:tgtEl>
-                    <p:sldTgt/>
-                  </p:tgtEl>
-                </p:cond>
-              </p:prevCondLst>
-              <p:nextCondLst>
-                <p:cond evt="onNext" delay="0">
-                  <p:tgtEl>
-                    <p:sldTgt/>
-                  </p:tgtEl>
-                </p:cond>
-              </p:nextCondLst>
-            </p:seq>
-          </p:childTnLst>
-        </p:cTn>
-      </p:par>
-    </p:tnLst>
-  </p:timing>
-</p:sld>
-</file>
-
-<file path=ppt/slides/slide11.xml><?xml version="1.0" encoding="utf-8"?>
 <p:sld xmlns:a="http://schemas.openxmlformats.org/drawingml/2006/main" xmlns:r="http://schemas.openxmlformats.org/officeDocument/2006/relationships" xmlns:p="http://schemas.openxmlformats.org/presentationml/2006/main">
   <p:cSld>
     <p:spTree>
@@ -6517,7 +5872,7 @@
 </p:sld>
 </file>
 
-<file path=ppt/slides/slide12.xml><?xml version="1.0" encoding="utf-8"?>
+<file path=ppt/slides/slide11.xml><?xml version="1.0" encoding="utf-8"?>
 <p:sld xmlns:a="http://schemas.openxmlformats.org/drawingml/2006/main" xmlns:r="http://schemas.openxmlformats.org/officeDocument/2006/relationships" xmlns:p="http://schemas.openxmlformats.org/presentationml/2006/main">
   <p:cSld>
     <p:spTree>
@@ -7216,7 +6571,7 @@
 </p:sld>
 </file>
 
-<file path=ppt/slides/slide13.xml><?xml version="1.0" encoding="utf-8"?>
+<file path=ppt/slides/slide12.xml><?xml version="1.0" encoding="utf-8"?>
 <p:sld xmlns:a="http://schemas.openxmlformats.org/drawingml/2006/main" xmlns:r="http://schemas.openxmlformats.org/officeDocument/2006/relationships" xmlns:p="http://schemas.openxmlformats.org/presentationml/2006/main">
   <p:cSld>
     <p:spTree>
@@ -7971,7 +7326,7 @@
 </p:sld>
 </file>
 
-<file path=ppt/slides/slide14.xml><?xml version="1.0" encoding="utf-8"?>
+<file path=ppt/slides/slide13.xml><?xml version="1.0" encoding="utf-8"?>
 <p:sld xmlns:a="http://schemas.openxmlformats.org/drawingml/2006/main" xmlns:r="http://schemas.openxmlformats.org/officeDocument/2006/relationships" xmlns:p="http://schemas.openxmlformats.org/presentationml/2006/main">
   <p:cSld>
     <p:spTree>
@@ -10099,7 +9454,7 @@
         </p:spPr>
         <p:txBody>
           <a:bodyPr>
-            <a:normAutofit fontScale="92500" lnSpcReduction="20000"/>
+            <a:normAutofit fontScale="70000" lnSpcReduction="20000"/>
           </a:bodyPr>
           <a:lstStyle/>
           <a:p>
@@ -10851,7 +10206,7 @@
         </p:spPr>
         <p:txBody>
           <a:bodyPr>
-            <a:normAutofit fontScale="92500" lnSpcReduction="20000"/>
+            <a:normAutofit fontScale="70000" lnSpcReduction="20000"/>
           </a:bodyPr>
           <a:lstStyle/>
           <a:p>
@@ -11831,7 +11186,7 @@
         </p:spPr>
         <p:txBody>
           <a:bodyPr>
-            <a:normAutofit fontScale="92500" lnSpcReduction="20000"/>
+            <a:normAutofit fontScale="70000" lnSpcReduction="20000"/>
           </a:bodyPr>
           <a:lstStyle/>
           <a:p>
@@ -12708,922 +12063,6 @@
         <p:cNvPr id="1" name="">
           <a:extLst>
             <a:ext uri="{FF2B5EF4-FFF2-40B4-BE49-F238E27FC236}">
-              <a16:creationId xmlns:a16="http://schemas.microsoft.com/office/drawing/2014/main" id="{2D00A2DC-5467-47A5-CFD6-AD400AE5CF65}"/>
-            </a:ext>
-          </a:extLst>
-        </p:cNvPr>
-        <p:cNvGrpSpPr/>
-        <p:nvPr/>
-      </p:nvGrpSpPr>
-      <p:grpSpPr>
-        <a:xfrm>
-          <a:off x="0" y="0"/>
-          <a:ext cx="0" cy="0"/>
-          <a:chOff x="0" y="0"/>
-          <a:chExt cx="0" cy="0"/>
-        </a:xfrm>
-      </p:grpSpPr>
-      <p:sp>
-        <p:nvSpPr>
-          <p:cNvPr id="3" name="Subtitle 2">
-            <a:extLst>
-              <a:ext uri="{FF2B5EF4-FFF2-40B4-BE49-F238E27FC236}">
-                <a16:creationId xmlns:a16="http://schemas.microsoft.com/office/drawing/2014/main" id="{95DF8A63-4100-05BB-3CDE-6BA62B474448}"/>
-              </a:ext>
-            </a:extLst>
-          </p:cNvPr>
-          <p:cNvSpPr>
-            <a:spLocks noGrp="1"/>
-          </p:cNvSpPr>
-          <p:nvPr>
-            <p:ph type="subTitle" idx="1"/>
-          </p:nvPr>
-        </p:nvSpPr>
-        <p:spPr>
-          <a:xfrm>
-            <a:off x="118518" y="170399"/>
-            <a:ext cx="11768682" cy="527050"/>
-          </a:xfrm>
-        </p:spPr>
-        <p:txBody>
-          <a:bodyPr>
-            <a:normAutofit fontScale="92500" lnSpcReduction="20000"/>
-          </a:bodyPr>
-          <a:lstStyle/>
-          <a:p>
-            <a:r>
-              <a:rPr lang="en-US" sz="1800" b="1" dirty="0"/>
-              <a:t>14.1 Create try catch blocks and determine how exceptions alter program flow</a:t>
-            </a:r>
-          </a:p>
-          <a:p>
-            <a:r>
-              <a:rPr lang="en-US" sz="1800" dirty="0"/>
-              <a:t>14.1.3 Pieces of the exception handling puzzle</a:t>
-            </a:r>
-          </a:p>
-        </p:txBody>
-      </p:sp>
-      <p:sp>
-        <p:nvSpPr>
-          <p:cNvPr id="4" name="Subtitle 2">
-            <a:extLst>
-              <a:ext uri="{FF2B5EF4-FFF2-40B4-BE49-F238E27FC236}">
-                <a16:creationId xmlns:a16="http://schemas.microsoft.com/office/drawing/2014/main" id="{FFA4E4F9-7D41-8D58-C263-A394B3F60BFF}"/>
-              </a:ext>
-            </a:extLst>
-          </p:cNvPr>
-          <p:cNvSpPr txBox="1">
-            <a:spLocks/>
-          </p:cNvSpPr>
-          <p:nvPr/>
-        </p:nvSpPr>
-        <p:spPr>
-          <a:xfrm>
-            <a:off x="0" y="820738"/>
-            <a:ext cx="12192000" cy="6037262"/>
-          </a:xfrm>
-          <a:prstGeom prst="rect">
-            <a:avLst/>
-          </a:prstGeom>
-        </p:spPr>
-        <p:txBody>
-          <a:bodyPr vert="horz" lIns="91440" tIns="45720" rIns="91440" bIns="45720" rtlCol="0">
-            <a:normAutofit/>
-          </a:bodyPr>
-          <a:lstStyle>
-            <a:lvl1pPr marL="0" indent="0" algn="ctr" defTabSz="914400" rtl="0" eaLnBrk="1" latinLnBrk="0" hangingPunct="1">
-              <a:lnSpc>
-                <a:spcPct val="90000"/>
-              </a:lnSpc>
-              <a:spcBef>
-                <a:spcPts val="1000"/>
-              </a:spcBef>
-              <a:buFont typeface="Arial" panose="020B0604020202020204" pitchFamily="34" charset="0"/>
-              <a:buNone/>
-              <a:defRPr sz="2400" kern="1200">
-                <a:solidFill>
-                  <a:schemeClr val="tx1"/>
-                </a:solidFill>
-                <a:latin typeface="+mn-lt"/>
-                <a:ea typeface="+mn-ea"/>
-                <a:cs typeface="+mn-cs"/>
-              </a:defRPr>
-            </a:lvl1pPr>
-            <a:lvl2pPr marL="457200" indent="0" algn="ctr" defTabSz="914400" rtl="0" eaLnBrk="1" latinLnBrk="0" hangingPunct="1">
-              <a:lnSpc>
-                <a:spcPct val="90000"/>
-              </a:lnSpc>
-              <a:spcBef>
-                <a:spcPts val="500"/>
-              </a:spcBef>
-              <a:buFont typeface="Arial" panose="020B0604020202020204" pitchFamily="34" charset="0"/>
-              <a:buNone/>
-              <a:defRPr sz="2000" kern="1200">
-                <a:solidFill>
-                  <a:schemeClr val="tx1"/>
-                </a:solidFill>
-                <a:latin typeface="+mn-lt"/>
-                <a:ea typeface="+mn-ea"/>
-                <a:cs typeface="+mn-cs"/>
-              </a:defRPr>
-            </a:lvl2pPr>
-            <a:lvl3pPr marL="914400" indent="0" algn="ctr" defTabSz="914400" rtl="0" eaLnBrk="1" latinLnBrk="0" hangingPunct="1">
-              <a:lnSpc>
-                <a:spcPct val="90000"/>
-              </a:lnSpc>
-              <a:spcBef>
-                <a:spcPts val="500"/>
-              </a:spcBef>
-              <a:buFont typeface="Arial" panose="020B0604020202020204" pitchFamily="34" charset="0"/>
-              <a:buNone/>
-              <a:defRPr sz="1800" kern="1200">
-                <a:solidFill>
-                  <a:schemeClr val="tx1"/>
-                </a:solidFill>
-                <a:latin typeface="+mn-lt"/>
-                <a:ea typeface="+mn-ea"/>
-                <a:cs typeface="+mn-cs"/>
-              </a:defRPr>
-            </a:lvl3pPr>
-            <a:lvl4pPr marL="1371600" indent="0" algn="ctr" defTabSz="914400" rtl="0" eaLnBrk="1" latinLnBrk="0" hangingPunct="1">
-              <a:lnSpc>
-                <a:spcPct val="90000"/>
-              </a:lnSpc>
-              <a:spcBef>
-                <a:spcPts val="500"/>
-              </a:spcBef>
-              <a:buFont typeface="Arial" panose="020B0604020202020204" pitchFamily="34" charset="0"/>
-              <a:buNone/>
-              <a:defRPr sz="1600" kern="1200">
-                <a:solidFill>
-                  <a:schemeClr val="tx1"/>
-                </a:solidFill>
-                <a:latin typeface="+mn-lt"/>
-                <a:ea typeface="+mn-ea"/>
-                <a:cs typeface="+mn-cs"/>
-              </a:defRPr>
-            </a:lvl4pPr>
-            <a:lvl5pPr marL="1828800" indent="0" algn="ctr" defTabSz="914400" rtl="0" eaLnBrk="1" latinLnBrk="0" hangingPunct="1">
-              <a:lnSpc>
-                <a:spcPct val="90000"/>
-              </a:lnSpc>
-              <a:spcBef>
-                <a:spcPts val="500"/>
-              </a:spcBef>
-              <a:buFont typeface="Arial" panose="020B0604020202020204" pitchFamily="34" charset="0"/>
-              <a:buNone/>
-              <a:defRPr sz="1600" kern="1200">
-                <a:solidFill>
-                  <a:schemeClr val="tx1"/>
-                </a:solidFill>
-                <a:latin typeface="+mn-lt"/>
-                <a:ea typeface="+mn-ea"/>
-                <a:cs typeface="+mn-cs"/>
-              </a:defRPr>
-            </a:lvl5pPr>
-            <a:lvl6pPr marL="2286000" indent="0" algn="ctr" defTabSz="914400" rtl="0" eaLnBrk="1" latinLnBrk="0" hangingPunct="1">
-              <a:lnSpc>
-                <a:spcPct val="90000"/>
-              </a:lnSpc>
-              <a:spcBef>
-                <a:spcPts val="500"/>
-              </a:spcBef>
-              <a:buFont typeface="Arial" panose="020B0604020202020204" pitchFamily="34" charset="0"/>
-              <a:buNone/>
-              <a:defRPr sz="1600" kern="1200">
-                <a:solidFill>
-                  <a:schemeClr val="tx1"/>
-                </a:solidFill>
-                <a:latin typeface="+mn-lt"/>
-                <a:ea typeface="+mn-ea"/>
-                <a:cs typeface="+mn-cs"/>
-              </a:defRPr>
-            </a:lvl6pPr>
-            <a:lvl7pPr marL="2743200" indent="0" algn="ctr" defTabSz="914400" rtl="0" eaLnBrk="1" latinLnBrk="0" hangingPunct="1">
-              <a:lnSpc>
-                <a:spcPct val="90000"/>
-              </a:lnSpc>
-              <a:spcBef>
-                <a:spcPts val="500"/>
-              </a:spcBef>
-              <a:buFont typeface="Arial" panose="020B0604020202020204" pitchFamily="34" charset="0"/>
-              <a:buNone/>
-              <a:defRPr sz="1600" kern="1200">
-                <a:solidFill>
-                  <a:schemeClr val="tx1"/>
-                </a:solidFill>
-                <a:latin typeface="+mn-lt"/>
-                <a:ea typeface="+mn-ea"/>
-                <a:cs typeface="+mn-cs"/>
-              </a:defRPr>
-            </a:lvl7pPr>
-            <a:lvl8pPr marL="3200400" indent="0" algn="ctr" defTabSz="914400" rtl="0" eaLnBrk="1" latinLnBrk="0" hangingPunct="1">
-              <a:lnSpc>
-                <a:spcPct val="90000"/>
-              </a:lnSpc>
-              <a:spcBef>
-                <a:spcPts val="500"/>
-              </a:spcBef>
-              <a:buFont typeface="Arial" panose="020B0604020202020204" pitchFamily="34" charset="0"/>
-              <a:buNone/>
-              <a:defRPr sz="1600" kern="1200">
-                <a:solidFill>
-                  <a:schemeClr val="tx1"/>
-                </a:solidFill>
-                <a:latin typeface="+mn-lt"/>
-                <a:ea typeface="+mn-ea"/>
-                <a:cs typeface="+mn-cs"/>
-              </a:defRPr>
-            </a:lvl8pPr>
-            <a:lvl9pPr marL="3657600" indent="0" algn="ctr" defTabSz="914400" rtl="0" eaLnBrk="1" latinLnBrk="0" hangingPunct="1">
-              <a:lnSpc>
-                <a:spcPct val="90000"/>
-              </a:lnSpc>
-              <a:spcBef>
-                <a:spcPts val="500"/>
-              </a:spcBef>
-              <a:buFont typeface="Arial" panose="020B0604020202020204" pitchFamily="34" charset="0"/>
-              <a:buNone/>
-              <a:defRPr sz="1600" kern="1200">
-                <a:solidFill>
-                  <a:schemeClr val="tx1"/>
-                </a:solidFill>
-                <a:latin typeface="+mn-lt"/>
-                <a:ea typeface="+mn-ea"/>
-                <a:cs typeface="+mn-cs"/>
-              </a:defRPr>
-            </a:lvl9pPr>
-          </a:lstStyle>
-          <a:p>
-            <a:pPr algn="l"/>
-            <a:r>
-              <a:rPr lang="en-US" sz="1800" dirty="0"/>
-              <a:t>- Java requires us to list all ... that has possibility to be thrown by using ... clause. This directly related to the ... goal of method in Java where all ... in Java must express all of their .... Java ensures that when method encounter ..., the method must either ... the exception or ... the user about the presence of exception</a:t>
-            </a:r>
-          </a:p>
-          <a:p>
-            <a:pPr algn="l"/>
-            <a:r>
-              <a:rPr lang="en-US" sz="1800" dirty="0"/>
-              <a:t>(code illustration snippet 9) </a:t>
-            </a:r>
-          </a:p>
-          <a:p>
-            <a:pPr algn="l"/>
-            <a:r>
-              <a:rPr lang="en-US" sz="1800" dirty="0"/>
-              <a:t>- The "throws" clause method is used to ... the user about the potential exception that might ... =&gt; we do this for the user to ... the exception</a:t>
-            </a:r>
-          </a:p>
-          <a:p>
-            <a:pPr algn="l"/>
-            <a:r>
-              <a:rPr lang="en-US" sz="1800" dirty="0"/>
-              <a:t>– The ... statement is used for developers to ... the exception. The ... statement also comes with a ... block and an optional ... block</a:t>
-            </a:r>
-          </a:p>
-          <a:p>
-            <a:pPr algn="l"/>
-            <a:r>
-              <a:rPr lang="en-US" sz="1800" dirty="0"/>
-              <a:t>(code illustration snippet 10) </a:t>
-            </a:r>
-          </a:p>
-          <a:p>
-            <a:pPr algn="l"/>
-            <a:r>
-              <a:rPr lang="en-US" sz="1800" dirty="0"/>
-              <a:t>- Try statement is completely contrast with ... statement when "try" statement tries to ... the exception while ... tries to hide from ... the exception</a:t>
-            </a:r>
-          </a:p>
-          <a:p>
-            <a:pPr algn="l"/>
-            <a:r>
-              <a:rPr lang="en-US" sz="1800" dirty="0"/>
-              <a:t>– .. block is where we store our ... to solve the exception. If a code exception happen, ...</a:t>
-            </a:r>
-          </a:p>
-          <a:p>
-            <a:pPr algn="l"/>
-            <a:r>
-              <a:rPr lang="en-US" sz="1800" dirty="0"/>
-              <a:t>– Catch block also contain something called ... clause, which specify which .... </a:t>
-            </a:r>
-          </a:p>
-          <a:p>
-            <a:pPr algn="l"/>
-            <a:r>
-              <a:rPr lang="en-US" sz="1800" dirty="0"/>
-              <a:t>(code illustration snippet 11) </a:t>
-            </a:r>
-          </a:p>
-          <a:p>
-            <a:pPr algn="l"/>
-            <a:r>
-              <a:rPr lang="en-US" sz="1800" dirty="0"/>
-              <a:t>- There is 1 thing we need to notice is that code in ... block (if they have) will always executed, no matter what happen. JVM will execute in order ... -&gt; ... and then the stack trace will be printed out to the console. There is only 1 situation where the ... block is not executed, that is the code in ... block and ... block forces the JVM to ... by using "System.exit()"</a:t>
-            </a:r>
-          </a:p>
-          <a:p>
-            <a:pPr algn="l"/>
-            <a:r>
-              <a:rPr lang="en-US" sz="1800" dirty="0"/>
-              <a:t>(code illustration snippet 12)</a:t>
-            </a:r>
-          </a:p>
-        </p:txBody>
-      </p:sp>
-    </p:spTree>
-    <p:extLst>
-      <p:ext uri="{BB962C8B-B14F-4D97-AF65-F5344CB8AC3E}">
-        <p14:creationId xmlns:p14="http://schemas.microsoft.com/office/powerpoint/2010/main" val="3840220834"/>
-      </p:ext>
-    </p:extLst>
-  </p:cSld>
-  <p:clrMapOvr>
-    <a:masterClrMapping/>
-  </p:clrMapOvr>
-  <p:timing>
-    <p:tnLst>
-      <p:par>
-        <p:cTn id="1" dur="indefinite" restart="never" nodeType="tmRoot">
-          <p:childTnLst>
-            <p:seq concurrent="1" nextAc="seek">
-              <p:cTn id="2" dur="indefinite" nodeType="mainSeq">
-                <p:childTnLst>
-                  <p:par>
-                    <p:cTn id="3" fill="hold">
-                      <p:stCondLst>
-                        <p:cond delay="indefinite"/>
-                      </p:stCondLst>
-                      <p:childTnLst>
-                        <p:par>
-                          <p:cTn id="4" fill="hold">
-                            <p:stCondLst>
-                              <p:cond delay="0"/>
-                            </p:stCondLst>
-                            <p:childTnLst>
-                              <p:par>
-                                <p:cTn id="5" presetID="1" presetClass="entr" presetSubtype="0" fill="hold" nodeType="clickEffect">
-                                  <p:stCondLst>
-                                    <p:cond delay="0"/>
-                                  </p:stCondLst>
-                                  <p:childTnLst>
-                                    <p:set>
-                                      <p:cBhvr>
-                                        <p:cTn id="6" dur="1" fill="hold">
-                                          <p:stCondLst>
-                                            <p:cond delay="0"/>
-                                          </p:stCondLst>
-                                        </p:cTn>
-                                        <p:tgtEl>
-                                          <p:spTgt spid="4">
-                                            <p:txEl>
-                                              <p:pRg st="0" end="0"/>
-                                            </p:txEl>
-                                          </p:spTgt>
-                                        </p:tgtEl>
-                                        <p:attrNameLst>
-                                          <p:attrName>style.visibility</p:attrName>
-                                        </p:attrNameLst>
-                                      </p:cBhvr>
-                                      <p:to>
-                                        <p:strVal val="visible"/>
-                                      </p:to>
-                                    </p:set>
-                                  </p:childTnLst>
-                                </p:cTn>
-                              </p:par>
-                            </p:childTnLst>
-                          </p:cTn>
-                        </p:par>
-                      </p:childTnLst>
-                    </p:cTn>
-                  </p:par>
-                  <p:par>
-                    <p:cTn id="7" fill="hold">
-                      <p:stCondLst>
-                        <p:cond delay="indefinite"/>
-                      </p:stCondLst>
-                      <p:childTnLst>
-                        <p:par>
-                          <p:cTn id="8" fill="hold">
-                            <p:stCondLst>
-                              <p:cond delay="0"/>
-                            </p:stCondLst>
-                            <p:childTnLst>
-                              <p:par>
-                                <p:cTn id="9" presetID="1" presetClass="entr" presetSubtype="0" fill="hold" nodeType="clickEffect">
-                                  <p:stCondLst>
-                                    <p:cond delay="0"/>
-                                  </p:stCondLst>
-                                  <p:childTnLst>
-                                    <p:set>
-                                      <p:cBhvr>
-                                        <p:cTn id="10" dur="1" fill="hold">
-                                          <p:stCondLst>
-                                            <p:cond delay="0"/>
-                                          </p:stCondLst>
-                                        </p:cTn>
-                                        <p:tgtEl>
-                                          <p:spTgt spid="4">
-                                            <p:txEl>
-                                              <p:pRg st="1" end="1"/>
-                                            </p:txEl>
-                                          </p:spTgt>
-                                        </p:tgtEl>
-                                        <p:attrNameLst>
-                                          <p:attrName>style.visibility</p:attrName>
-                                        </p:attrNameLst>
-                                      </p:cBhvr>
-                                      <p:to>
-                                        <p:strVal val="visible"/>
-                                      </p:to>
-                                    </p:set>
-                                  </p:childTnLst>
-                                </p:cTn>
-                              </p:par>
-                            </p:childTnLst>
-                          </p:cTn>
-                        </p:par>
-                      </p:childTnLst>
-                    </p:cTn>
-                  </p:par>
-                  <p:par>
-                    <p:cTn id="11" fill="hold">
-                      <p:stCondLst>
-                        <p:cond delay="indefinite"/>
-                      </p:stCondLst>
-                      <p:childTnLst>
-                        <p:par>
-                          <p:cTn id="12" fill="hold">
-                            <p:stCondLst>
-                              <p:cond delay="0"/>
-                            </p:stCondLst>
-                            <p:childTnLst>
-                              <p:par>
-                                <p:cTn id="13" presetID="1" presetClass="entr" presetSubtype="0" fill="hold" nodeType="clickEffect">
-                                  <p:stCondLst>
-                                    <p:cond delay="0"/>
-                                  </p:stCondLst>
-                                  <p:childTnLst>
-                                    <p:set>
-                                      <p:cBhvr>
-                                        <p:cTn id="14" dur="1" fill="hold">
-                                          <p:stCondLst>
-                                            <p:cond delay="0"/>
-                                          </p:stCondLst>
-                                        </p:cTn>
-                                        <p:tgtEl>
-                                          <p:spTgt spid="4">
-                                            <p:txEl>
-                                              <p:pRg st="2" end="2"/>
-                                            </p:txEl>
-                                          </p:spTgt>
-                                        </p:tgtEl>
-                                        <p:attrNameLst>
-                                          <p:attrName>style.visibility</p:attrName>
-                                        </p:attrNameLst>
-                                      </p:cBhvr>
-                                      <p:to>
-                                        <p:strVal val="visible"/>
-                                      </p:to>
-                                    </p:set>
-                                  </p:childTnLst>
-                                </p:cTn>
-                              </p:par>
-                            </p:childTnLst>
-                          </p:cTn>
-                        </p:par>
-                      </p:childTnLst>
-                    </p:cTn>
-                  </p:par>
-                  <p:par>
-                    <p:cTn id="15" fill="hold">
-                      <p:stCondLst>
-                        <p:cond delay="indefinite"/>
-                      </p:stCondLst>
-                      <p:childTnLst>
-                        <p:par>
-                          <p:cTn id="16" fill="hold">
-                            <p:stCondLst>
-                              <p:cond delay="0"/>
-                            </p:stCondLst>
-                            <p:childTnLst>
-                              <p:par>
-                                <p:cTn id="17" presetID="1" presetClass="entr" presetSubtype="0" fill="hold" nodeType="clickEffect">
-                                  <p:stCondLst>
-                                    <p:cond delay="0"/>
-                                  </p:stCondLst>
-                                  <p:childTnLst>
-                                    <p:set>
-                                      <p:cBhvr>
-                                        <p:cTn id="18" dur="1" fill="hold">
-                                          <p:stCondLst>
-                                            <p:cond delay="0"/>
-                                          </p:stCondLst>
-                                        </p:cTn>
-                                        <p:tgtEl>
-                                          <p:spTgt spid="4">
-                                            <p:txEl>
-                                              <p:pRg st="3" end="3"/>
-                                            </p:txEl>
-                                          </p:spTgt>
-                                        </p:tgtEl>
-                                        <p:attrNameLst>
-                                          <p:attrName>style.visibility</p:attrName>
-                                        </p:attrNameLst>
-                                      </p:cBhvr>
-                                      <p:to>
-                                        <p:strVal val="visible"/>
-                                      </p:to>
-                                    </p:set>
-                                  </p:childTnLst>
-                                </p:cTn>
-                              </p:par>
-                            </p:childTnLst>
-                          </p:cTn>
-                        </p:par>
-                      </p:childTnLst>
-                    </p:cTn>
-                  </p:par>
-                  <p:par>
-                    <p:cTn id="19" fill="hold">
-                      <p:stCondLst>
-                        <p:cond delay="indefinite"/>
-                      </p:stCondLst>
-                      <p:childTnLst>
-                        <p:par>
-                          <p:cTn id="20" fill="hold">
-                            <p:stCondLst>
-                              <p:cond delay="0"/>
-                            </p:stCondLst>
-                            <p:childTnLst>
-                              <p:par>
-                                <p:cTn id="21" presetID="1" presetClass="entr" presetSubtype="0" fill="hold" nodeType="clickEffect">
-                                  <p:stCondLst>
-                                    <p:cond delay="0"/>
-                                  </p:stCondLst>
-                                  <p:childTnLst>
-                                    <p:set>
-                                      <p:cBhvr>
-                                        <p:cTn id="22" dur="1" fill="hold">
-                                          <p:stCondLst>
-                                            <p:cond delay="0"/>
-                                          </p:stCondLst>
-                                        </p:cTn>
-                                        <p:tgtEl>
-                                          <p:spTgt spid="4">
-                                            <p:txEl>
-                                              <p:pRg st="4" end="4"/>
-                                            </p:txEl>
-                                          </p:spTgt>
-                                        </p:tgtEl>
-                                        <p:attrNameLst>
-                                          <p:attrName>style.visibility</p:attrName>
-                                        </p:attrNameLst>
-                                      </p:cBhvr>
-                                      <p:to>
-                                        <p:strVal val="visible"/>
-                                      </p:to>
-                                    </p:set>
-                                  </p:childTnLst>
-                                </p:cTn>
-                              </p:par>
-                            </p:childTnLst>
-                          </p:cTn>
-                        </p:par>
-                      </p:childTnLst>
-                    </p:cTn>
-                  </p:par>
-                  <p:par>
-                    <p:cTn id="23" fill="hold">
-                      <p:stCondLst>
-                        <p:cond delay="indefinite"/>
-                      </p:stCondLst>
-                      <p:childTnLst>
-                        <p:par>
-                          <p:cTn id="24" fill="hold">
-                            <p:stCondLst>
-                              <p:cond delay="0"/>
-                            </p:stCondLst>
-                            <p:childTnLst>
-                              <p:par>
-                                <p:cTn id="25" presetID="1" presetClass="entr" presetSubtype="0" fill="hold" nodeType="clickEffect">
-                                  <p:stCondLst>
-                                    <p:cond delay="0"/>
-                                  </p:stCondLst>
-                                  <p:childTnLst>
-                                    <p:set>
-                                      <p:cBhvr>
-                                        <p:cTn id="26" dur="1" fill="hold">
-                                          <p:stCondLst>
-                                            <p:cond delay="0"/>
-                                          </p:stCondLst>
-                                        </p:cTn>
-                                        <p:tgtEl>
-                                          <p:spTgt spid="4">
-                                            <p:txEl>
-                                              <p:pRg st="5" end="5"/>
-                                            </p:txEl>
-                                          </p:spTgt>
-                                        </p:tgtEl>
-                                        <p:attrNameLst>
-                                          <p:attrName>style.visibility</p:attrName>
-                                        </p:attrNameLst>
-                                      </p:cBhvr>
-                                      <p:to>
-                                        <p:strVal val="visible"/>
-                                      </p:to>
-                                    </p:set>
-                                  </p:childTnLst>
-                                </p:cTn>
-                              </p:par>
-                            </p:childTnLst>
-                          </p:cTn>
-                        </p:par>
-                      </p:childTnLst>
-                    </p:cTn>
-                  </p:par>
-                  <p:par>
-                    <p:cTn id="27" fill="hold">
-                      <p:stCondLst>
-                        <p:cond delay="indefinite"/>
-                      </p:stCondLst>
-                      <p:childTnLst>
-                        <p:par>
-                          <p:cTn id="28" fill="hold">
-                            <p:stCondLst>
-                              <p:cond delay="0"/>
-                            </p:stCondLst>
-                            <p:childTnLst>
-                              <p:par>
-                                <p:cTn id="29" presetID="1" presetClass="entr" presetSubtype="0" fill="hold" nodeType="clickEffect">
-                                  <p:stCondLst>
-                                    <p:cond delay="0"/>
-                                  </p:stCondLst>
-                                  <p:childTnLst>
-                                    <p:set>
-                                      <p:cBhvr>
-                                        <p:cTn id="30" dur="1" fill="hold">
-                                          <p:stCondLst>
-                                            <p:cond delay="0"/>
-                                          </p:stCondLst>
-                                        </p:cTn>
-                                        <p:tgtEl>
-                                          <p:spTgt spid="4">
-                                            <p:txEl>
-                                              <p:pRg st="6" end="6"/>
-                                            </p:txEl>
-                                          </p:spTgt>
-                                        </p:tgtEl>
-                                        <p:attrNameLst>
-                                          <p:attrName>style.visibility</p:attrName>
-                                        </p:attrNameLst>
-                                      </p:cBhvr>
-                                      <p:to>
-                                        <p:strVal val="visible"/>
-                                      </p:to>
-                                    </p:set>
-                                  </p:childTnLst>
-                                </p:cTn>
-                              </p:par>
-                            </p:childTnLst>
-                          </p:cTn>
-                        </p:par>
-                      </p:childTnLst>
-                    </p:cTn>
-                  </p:par>
-                  <p:par>
-                    <p:cTn id="31" fill="hold">
-                      <p:stCondLst>
-                        <p:cond delay="indefinite"/>
-                      </p:stCondLst>
-                      <p:childTnLst>
-                        <p:par>
-                          <p:cTn id="32" fill="hold">
-                            <p:stCondLst>
-                              <p:cond delay="0"/>
-                            </p:stCondLst>
-                            <p:childTnLst>
-                              <p:par>
-                                <p:cTn id="33" presetID="1" presetClass="entr" presetSubtype="0" fill="hold" nodeType="clickEffect">
-                                  <p:stCondLst>
-                                    <p:cond delay="0"/>
-                                  </p:stCondLst>
-                                  <p:childTnLst>
-                                    <p:set>
-                                      <p:cBhvr>
-                                        <p:cTn id="34" dur="1" fill="hold">
-                                          <p:stCondLst>
-                                            <p:cond delay="0"/>
-                                          </p:stCondLst>
-                                        </p:cTn>
-                                        <p:tgtEl>
-                                          <p:spTgt spid="4">
-                                            <p:txEl>
-                                              <p:pRg st="7" end="7"/>
-                                            </p:txEl>
-                                          </p:spTgt>
-                                        </p:tgtEl>
-                                        <p:attrNameLst>
-                                          <p:attrName>style.visibility</p:attrName>
-                                        </p:attrNameLst>
-                                      </p:cBhvr>
-                                      <p:to>
-                                        <p:strVal val="visible"/>
-                                      </p:to>
-                                    </p:set>
-                                  </p:childTnLst>
-                                </p:cTn>
-                              </p:par>
-                            </p:childTnLst>
-                          </p:cTn>
-                        </p:par>
-                      </p:childTnLst>
-                    </p:cTn>
-                  </p:par>
-                  <p:par>
-                    <p:cTn id="35" fill="hold">
-                      <p:stCondLst>
-                        <p:cond delay="indefinite"/>
-                      </p:stCondLst>
-                      <p:childTnLst>
-                        <p:par>
-                          <p:cTn id="36" fill="hold">
-                            <p:stCondLst>
-                              <p:cond delay="0"/>
-                            </p:stCondLst>
-                            <p:childTnLst>
-                              <p:par>
-                                <p:cTn id="37" presetID="1" presetClass="entr" presetSubtype="0" fill="hold" nodeType="clickEffect">
-                                  <p:stCondLst>
-                                    <p:cond delay="0"/>
-                                  </p:stCondLst>
-                                  <p:childTnLst>
-                                    <p:set>
-                                      <p:cBhvr>
-                                        <p:cTn id="38" dur="1" fill="hold">
-                                          <p:stCondLst>
-                                            <p:cond delay="0"/>
-                                          </p:stCondLst>
-                                        </p:cTn>
-                                        <p:tgtEl>
-                                          <p:spTgt spid="4">
-                                            <p:txEl>
-                                              <p:pRg st="8" end="8"/>
-                                            </p:txEl>
-                                          </p:spTgt>
-                                        </p:tgtEl>
-                                        <p:attrNameLst>
-                                          <p:attrName>style.visibility</p:attrName>
-                                        </p:attrNameLst>
-                                      </p:cBhvr>
-                                      <p:to>
-                                        <p:strVal val="visible"/>
-                                      </p:to>
-                                    </p:set>
-                                  </p:childTnLst>
-                                </p:cTn>
-                              </p:par>
-                            </p:childTnLst>
-                          </p:cTn>
-                        </p:par>
-                      </p:childTnLst>
-                    </p:cTn>
-                  </p:par>
-                  <p:par>
-                    <p:cTn id="39" fill="hold">
-                      <p:stCondLst>
-                        <p:cond delay="indefinite"/>
-                      </p:stCondLst>
-                      <p:childTnLst>
-                        <p:par>
-                          <p:cTn id="40" fill="hold">
-                            <p:stCondLst>
-                              <p:cond delay="0"/>
-                            </p:stCondLst>
-                            <p:childTnLst>
-                              <p:par>
-                                <p:cTn id="41" presetID="1" presetClass="entr" presetSubtype="0" fill="hold" nodeType="clickEffect">
-                                  <p:stCondLst>
-                                    <p:cond delay="0"/>
-                                  </p:stCondLst>
-                                  <p:childTnLst>
-                                    <p:set>
-                                      <p:cBhvr>
-                                        <p:cTn id="42" dur="1" fill="hold">
-                                          <p:stCondLst>
-                                            <p:cond delay="0"/>
-                                          </p:stCondLst>
-                                        </p:cTn>
-                                        <p:tgtEl>
-                                          <p:spTgt spid="4">
-                                            <p:txEl>
-                                              <p:pRg st="9" end="9"/>
-                                            </p:txEl>
-                                          </p:spTgt>
-                                        </p:tgtEl>
-                                        <p:attrNameLst>
-                                          <p:attrName>style.visibility</p:attrName>
-                                        </p:attrNameLst>
-                                      </p:cBhvr>
-                                      <p:to>
-                                        <p:strVal val="visible"/>
-                                      </p:to>
-                                    </p:set>
-                                  </p:childTnLst>
-                                </p:cTn>
-                              </p:par>
-                            </p:childTnLst>
-                          </p:cTn>
-                        </p:par>
-                      </p:childTnLst>
-                    </p:cTn>
-                  </p:par>
-                  <p:par>
-                    <p:cTn id="43" fill="hold">
-                      <p:stCondLst>
-                        <p:cond delay="indefinite"/>
-                      </p:stCondLst>
-                      <p:childTnLst>
-                        <p:par>
-                          <p:cTn id="44" fill="hold">
-                            <p:stCondLst>
-                              <p:cond delay="0"/>
-                            </p:stCondLst>
-                            <p:childTnLst>
-                              <p:par>
-                                <p:cTn id="45" presetID="1" presetClass="entr" presetSubtype="0" fill="hold" nodeType="clickEffect">
-                                  <p:stCondLst>
-                                    <p:cond delay="0"/>
-                                  </p:stCondLst>
-                                  <p:childTnLst>
-                                    <p:set>
-                                      <p:cBhvr>
-                                        <p:cTn id="46" dur="1" fill="hold">
-                                          <p:stCondLst>
-                                            <p:cond delay="0"/>
-                                          </p:stCondLst>
-                                        </p:cTn>
-                                        <p:tgtEl>
-                                          <p:spTgt spid="4">
-                                            <p:txEl>
-                                              <p:pRg st="10" end="10"/>
-                                            </p:txEl>
-                                          </p:spTgt>
-                                        </p:tgtEl>
-                                        <p:attrNameLst>
-                                          <p:attrName>style.visibility</p:attrName>
-                                        </p:attrNameLst>
-                                      </p:cBhvr>
-                                      <p:to>
-                                        <p:strVal val="visible"/>
-                                      </p:to>
-                                    </p:set>
-                                  </p:childTnLst>
-                                </p:cTn>
-                              </p:par>
-                            </p:childTnLst>
-                          </p:cTn>
-                        </p:par>
-                      </p:childTnLst>
-                    </p:cTn>
-                  </p:par>
-                </p:childTnLst>
-              </p:cTn>
-              <p:prevCondLst>
-                <p:cond evt="onPrev" delay="0">
-                  <p:tgtEl>
-                    <p:sldTgt/>
-                  </p:tgtEl>
-                </p:cond>
-              </p:prevCondLst>
-              <p:nextCondLst>
-                <p:cond evt="onNext" delay="0">
-                  <p:tgtEl>
-                    <p:sldTgt/>
-                  </p:tgtEl>
-                </p:cond>
-              </p:nextCondLst>
-            </p:seq>
-          </p:childTnLst>
-        </p:cTn>
-      </p:par>
-    </p:tnLst>
-  </p:timing>
-</p:sld>
-</file>
-
-<file path=ppt/slides/slide8.xml><?xml version="1.0" encoding="utf-8"?>
-<p:sld xmlns:a="http://schemas.openxmlformats.org/drawingml/2006/main" xmlns:r="http://schemas.openxmlformats.org/officeDocument/2006/relationships" xmlns:p="http://schemas.openxmlformats.org/presentationml/2006/main">
-  <p:cSld>
-    <p:spTree>
-      <p:nvGrpSpPr>
-        <p:cNvPr id="1" name="">
-          <a:extLst>
-            <a:ext uri="{FF2B5EF4-FFF2-40B4-BE49-F238E27FC236}">
               <a16:creationId xmlns:a16="http://schemas.microsoft.com/office/drawing/2014/main" id="{A101350C-1584-BB5F-790D-ABF6BBF1ACA0}"/>
             </a:ext>
           </a:extLst>
@@ -13884,7 +12323,7 @@
             <a:pPr algn="l"/>
             <a:r>
               <a:rPr lang="en-US" sz="1800" dirty="0"/>
-              <a:t>=&gt; the "throw" clause is designed to list all ... =&gt; therefore, allowing users to ...</a:t>
+              <a:t>=&gt; the "throws" clause is designed to list all ... =&gt; therefore, allowing users to ...</a:t>
             </a:r>
           </a:p>
           <a:p>
@@ -14366,7 +12805,7 @@
 </p:sld>
 </file>
 
-<file path=ppt/slides/slide9.xml><?xml version="1.0" encoding="utf-8"?>
+<file path=ppt/slides/slide8.xml><?xml version="1.0" encoding="utf-8"?>
 <p:sld xmlns:a="http://schemas.openxmlformats.org/drawingml/2006/main" xmlns:r="http://schemas.openxmlformats.org/officeDocument/2006/relationships" xmlns:p="http://schemas.openxmlformats.org/presentationml/2006/main">
   <p:cSld>
     <p:spTree>
@@ -14801,6 +13240,649 @@
                                           <p:spTgt spid="4">
                                             <p:txEl>
                                               <p:pRg st="10" end="10"/>
+                                            </p:txEl>
+                                          </p:spTgt>
+                                        </p:tgtEl>
+                                        <p:attrNameLst>
+                                          <p:attrName>style.visibility</p:attrName>
+                                        </p:attrNameLst>
+                                      </p:cBhvr>
+                                      <p:to>
+                                        <p:strVal val="visible"/>
+                                      </p:to>
+                                    </p:set>
+                                  </p:childTnLst>
+                                </p:cTn>
+                              </p:par>
+                            </p:childTnLst>
+                          </p:cTn>
+                        </p:par>
+                      </p:childTnLst>
+                    </p:cTn>
+                  </p:par>
+                </p:childTnLst>
+              </p:cTn>
+              <p:prevCondLst>
+                <p:cond evt="onPrev" delay="0">
+                  <p:tgtEl>
+                    <p:sldTgt/>
+                  </p:tgtEl>
+                </p:cond>
+              </p:prevCondLst>
+              <p:nextCondLst>
+                <p:cond evt="onNext" delay="0">
+                  <p:tgtEl>
+                    <p:sldTgt/>
+                  </p:tgtEl>
+                </p:cond>
+              </p:nextCondLst>
+            </p:seq>
+          </p:childTnLst>
+        </p:cTn>
+      </p:par>
+    </p:tnLst>
+  </p:timing>
+</p:sld>
+</file>
+
+<file path=ppt/slides/slide9.xml><?xml version="1.0" encoding="utf-8"?>
+<p:sld xmlns:a="http://schemas.openxmlformats.org/drawingml/2006/main" xmlns:r="http://schemas.openxmlformats.org/officeDocument/2006/relationships" xmlns:p="http://schemas.openxmlformats.org/presentationml/2006/main">
+  <p:cSld>
+    <p:spTree>
+      <p:nvGrpSpPr>
+        <p:cNvPr id="1" name="">
+          <a:extLst>
+            <a:ext uri="{FF2B5EF4-FFF2-40B4-BE49-F238E27FC236}">
+              <a16:creationId xmlns:a16="http://schemas.microsoft.com/office/drawing/2014/main" id="{F174B013-DD5D-8DEE-B430-65EA5A386B76}"/>
+            </a:ext>
+          </a:extLst>
+        </p:cNvPr>
+        <p:cNvGrpSpPr/>
+        <p:nvPr/>
+      </p:nvGrpSpPr>
+      <p:grpSpPr>
+        <a:xfrm>
+          <a:off x="0" y="0"/>
+          <a:ext cx="0" cy="0"/>
+          <a:chOff x="0" y="0"/>
+          <a:chExt cx="0" cy="0"/>
+        </a:xfrm>
+      </p:grpSpPr>
+      <p:sp>
+        <p:nvSpPr>
+          <p:cNvPr id="3" name="Subtitle 2">
+            <a:extLst>
+              <a:ext uri="{FF2B5EF4-FFF2-40B4-BE49-F238E27FC236}">
+                <a16:creationId xmlns:a16="http://schemas.microsoft.com/office/drawing/2014/main" id="{CD621118-E972-8CD4-5944-E7D587E8D4FE}"/>
+              </a:ext>
+            </a:extLst>
+          </p:cNvPr>
+          <p:cNvSpPr>
+            <a:spLocks noGrp="1"/>
+          </p:cNvSpPr>
+          <p:nvPr>
+            <p:ph type="subTitle" idx="1"/>
+          </p:nvPr>
+        </p:nvSpPr>
+        <p:spPr>
+          <a:xfrm>
+            <a:off x="118518" y="170399"/>
+            <a:ext cx="11768682" cy="302212"/>
+          </a:xfrm>
+        </p:spPr>
+        <p:txBody>
+          <a:bodyPr>
+            <a:normAutofit fontScale="92500" lnSpcReduction="20000"/>
+          </a:bodyPr>
+          <a:lstStyle/>
+          <a:p>
+            <a:r>
+              <a:rPr lang="en-US" sz="1800" b="1" dirty="0"/>
+              <a:t>14.2 Differentiate among checked, unchecked exceptions and Error </a:t>
+            </a:r>
+            <a:r>
+              <a:rPr lang="en-US" sz="1800" dirty="0"/>
+              <a:t>– 14.2.1 Checked and Unchecked exception</a:t>
+            </a:r>
+            <a:r>
+              <a:rPr lang="en-US" sz="1800" b="1" dirty="0"/>
+              <a:t> </a:t>
+            </a:r>
+          </a:p>
+        </p:txBody>
+      </p:sp>
+      <p:sp>
+        <p:nvSpPr>
+          <p:cNvPr id="4" name="Subtitle 2">
+            <a:extLst>
+              <a:ext uri="{FF2B5EF4-FFF2-40B4-BE49-F238E27FC236}">
+                <a16:creationId xmlns:a16="http://schemas.microsoft.com/office/drawing/2014/main" id="{7EEBA214-AF80-FD4B-BB92-928557A37C1D}"/>
+              </a:ext>
+            </a:extLst>
+          </p:cNvPr>
+          <p:cNvSpPr txBox="1">
+            <a:spLocks/>
+          </p:cNvSpPr>
+          <p:nvPr/>
+        </p:nvSpPr>
+        <p:spPr>
+          <a:xfrm>
+            <a:off x="0" y="820738"/>
+            <a:ext cx="12192000" cy="6037262"/>
+          </a:xfrm>
+          <a:prstGeom prst="rect">
+            <a:avLst/>
+          </a:prstGeom>
+        </p:spPr>
+        <p:txBody>
+          <a:bodyPr vert="horz" lIns="91440" tIns="45720" rIns="91440" bIns="45720" rtlCol="0">
+            <a:normAutofit/>
+          </a:bodyPr>
+          <a:lstStyle>
+            <a:lvl1pPr marL="0" indent="0" algn="ctr" defTabSz="914400" rtl="0" eaLnBrk="1" latinLnBrk="0" hangingPunct="1">
+              <a:lnSpc>
+                <a:spcPct val="90000"/>
+              </a:lnSpc>
+              <a:spcBef>
+                <a:spcPts val="1000"/>
+              </a:spcBef>
+              <a:buFont typeface="Arial" panose="020B0604020202020204" pitchFamily="34" charset="0"/>
+              <a:buNone/>
+              <a:defRPr sz="2400" kern="1200">
+                <a:solidFill>
+                  <a:schemeClr val="tx1"/>
+                </a:solidFill>
+                <a:latin typeface="+mn-lt"/>
+                <a:ea typeface="+mn-ea"/>
+                <a:cs typeface="+mn-cs"/>
+              </a:defRPr>
+            </a:lvl1pPr>
+            <a:lvl2pPr marL="457200" indent="0" algn="ctr" defTabSz="914400" rtl="0" eaLnBrk="1" latinLnBrk="0" hangingPunct="1">
+              <a:lnSpc>
+                <a:spcPct val="90000"/>
+              </a:lnSpc>
+              <a:spcBef>
+                <a:spcPts val="500"/>
+              </a:spcBef>
+              <a:buFont typeface="Arial" panose="020B0604020202020204" pitchFamily="34" charset="0"/>
+              <a:buNone/>
+              <a:defRPr sz="2000" kern="1200">
+                <a:solidFill>
+                  <a:schemeClr val="tx1"/>
+                </a:solidFill>
+                <a:latin typeface="+mn-lt"/>
+                <a:ea typeface="+mn-ea"/>
+                <a:cs typeface="+mn-cs"/>
+              </a:defRPr>
+            </a:lvl2pPr>
+            <a:lvl3pPr marL="914400" indent="0" algn="ctr" defTabSz="914400" rtl="0" eaLnBrk="1" latinLnBrk="0" hangingPunct="1">
+              <a:lnSpc>
+                <a:spcPct val="90000"/>
+              </a:lnSpc>
+              <a:spcBef>
+                <a:spcPts val="500"/>
+              </a:spcBef>
+              <a:buFont typeface="Arial" panose="020B0604020202020204" pitchFamily="34" charset="0"/>
+              <a:buNone/>
+              <a:defRPr sz="1800" kern="1200">
+                <a:solidFill>
+                  <a:schemeClr val="tx1"/>
+                </a:solidFill>
+                <a:latin typeface="+mn-lt"/>
+                <a:ea typeface="+mn-ea"/>
+                <a:cs typeface="+mn-cs"/>
+              </a:defRPr>
+            </a:lvl3pPr>
+            <a:lvl4pPr marL="1371600" indent="0" algn="ctr" defTabSz="914400" rtl="0" eaLnBrk="1" latinLnBrk="0" hangingPunct="1">
+              <a:lnSpc>
+                <a:spcPct val="90000"/>
+              </a:lnSpc>
+              <a:spcBef>
+                <a:spcPts val="500"/>
+              </a:spcBef>
+              <a:buFont typeface="Arial" panose="020B0604020202020204" pitchFamily="34" charset="0"/>
+              <a:buNone/>
+              <a:defRPr sz="1600" kern="1200">
+                <a:solidFill>
+                  <a:schemeClr val="tx1"/>
+                </a:solidFill>
+                <a:latin typeface="+mn-lt"/>
+                <a:ea typeface="+mn-ea"/>
+                <a:cs typeface="+mn-cs"/>
+              </a:defRPr>
+            </a:lvl4pPr>
+            <a:lvl5pPr marL="1828800" indent="0" algn="ctr" defTabSz="914400" rtl="0" eaLnBrk="1" latinLnBrk="0" hangingPunct="1">
+              <a:lnSpc>
+                <a:spcPct val="90000"/>
+              </a:lnSpc>
+              <a:spcBef>
+                <a:spcPts val="500"/>
+              </a:spcBef>
+              <a:buFont typeface="Arial" panose="020B0604020202020204" pitchFamily="34" charset="0"/>
+              <a:buNone/>
+              <a:defRPr sz="1600" kern="1200">
+                <a:solidFill>
+                  <a:schemeClr val="tx1"/>
+                </a:solidFill>
+                <a:latin typeface="+mn-lt"/>
+                <a:ea typeface="+mn-ea"/>
+                <a:cs typeface="+mn-cs"/>
+              </a:defRPr>
+            </a:lvl5pPr>
+            <a:lvl6pPr marL="2286000" indent="0" algn="ctr" defTabSz="914400" rtl="0" eaLnBrk="1" latinLnBrk="0" hangingPunct="1">
+              <a:lnSpc>
+                <a:spcPct val="90000"/>
+              </a:lnSpc>
+              <a:spcBef>
+                <a:spcPts val="500"/>
+              </a:spcBef>
+              <a:buFont typeface="Arial" panose="020B0604020202020204" pitchFamily="34" charset="0"/>
+              <a:buNone/>
+              <a:defRPr sz="1600" kern="1200">
+                <a:solidFill>
+                  <a:schemeClr val="tx1"/>
+                </a:solidFill>
+                <a:latin typeface="+mn-lt"/>
+                <a:ea typeface="+mn-ea"/>
+                <a:cs typeface="+mn-cs"/>
+              </a:defRPr>
+            </a:lvl6pPr>
+            <a:lvl7pPr marL="2743200" indent="0" algn="ctr" defTabSz="914400" rtl="0" eaLnBrk="1" latinLnBrk="0" hangingPunct="1">
+              <a:lnSpc>
+                <a:spcPct val="90000"/>
+              </a:lnSpc>
+              <a:spcBef>
+                <a:spcPts val="500"/>
+              </a:spcBef>
+              <a:buFont typeface="Arial" panose="020B0604020202020204" pitchFamily="34" charset="0"/>
+              <a:buNone/>
+              <a:defRPr sz="1600" kern="1200">
+                <a:solidFill>
+                  <a:schemeClr val="tx1"/>
+                </a:solidFill>
+                <a:latin typeface="+mn-lt"/>
+                <a:ea typeface="+mn-ea"/>
+                <a:cs typeface="+mn-cs"/>
+              </a:defRPr>
+            </a:lvl7pPr>
+            <a:lvl8pPr marL="3200400" indent="0" algn="ctr" defTabSz="914400" rtl="0" eaLnBrk="1" latinLnBrk="0" hangingPunct="1">
+              <a:lnSpc>
+                <a:spcPct val="90000"/>
+              </a:lnSpc>
+              <a:spcBef>
+                <a:spcPts val="500"/>
+              </a:spcBef>
+              <a:buFont typeface="Arial" panose="020B0604020202020204" pitchFamily="34" charset="0"/>
+              <a:buNone/>
+              <a:defRPr sz="1600" kern="1200">
+                <a:solidFill>
+                  <a:schemeClr val="tx1"/>
+                </a:solidFill>
+                <a:latin typeface="+mn-lt"/>
+                <a:ea typeface="+mn-ea"/>
+                <a:cs typeface="+mn-cs"/>
+              </a:defRPr>
+            </a:lvl8pPr>
+            <a:lvl9pPr marL="3657600" indent="0" algn="ctr" defTabSz="914400" rtl="0" eaLnBrk="1" latinLnBrk="0" hangingPunct="1">
+              <a:lnSpc>
+                <a:spcPct val="90000"/>
+              </a:lnSpc>
+              <a:spcBef>
+                <a:spcPts val="500"/>
+              </a:spcBef>
+              <a:buFont typeface="Arial" panose="020B0604020202020204" pitchFamily="34" charset="0"/>
+              <a:buNone/>
+              <a:defRPr sz="1600" kern="1200">
+                <a:solidFill>
+                  <a:schemeClr val="tx1"/>
+                </a:solidFill>
+                <a:latin typeface="+mn-lt"/>
+                <a:ea typeface="+mn-ea"/>
+                <a:cs typeface="+mn-cs"/>
+              </a:defRPr>
+            </a:lvl9pPr>
+          </a:lstStyle>
+          <a:p>
+            <a:pPr algn="l"/>
+            <a:r>
+              <a:rPr lang="en-US" sz="1800" dirty="0"/>
+              <a:t>- In the previous section, we have discussed about 2 types of exception, one that the developer ... and one that developer ... </a:t>
+            </a:r>
+          </a:p>
+          <a:p>
+            <a:pPr algn="l"/>
+            <a:r>
+              <a:rPr lang="en-US" sz="1800" dirty="0"/>
+              <a:t>- With the type of exception that the developer knows about it, he must ... by using .... For example, if the read-write file program can't read a file properly, the developer must design ... because these situation are still solvable =&gt; these are called checked exception</a:t>
+            </a:r>
+          </a:p>
+          <a:p>
+            <a:pPr algn="l"/>
+            <a:r>
+              <a:rPr lang="en-US" sz="1800" dirty="0"/>
+              <a:t>– However, with a program that requires a specific type of input, developers (and definitely ...) are expecting us to ... Or another example is the data array is null =&gt; developer ... =&gt; ... these exceptions won't help us anything since it is an indication of ... in our code =&gt; we must ... if it happens during development =&gt; But if it happens during production, we must ... at a higher level since it is related to the data that user ... into the program and we can't control this =&gt; a ... must be deployed at a higer level </a:t>
+            </a:r>
+          </a:p>
+          <a:p>
+            <a:pPr algn="l"/>
+            <a:r>
+              <a:rPr lang="en-US" sz="1800" dirty="0"/>
+              <a:t>- These are called unchecked exception, because the developer can't ... or it is user ...</a:t>
+            </a:r>
+          </a:p>
+          <a:p>
+            <a:pPr algn="l"/>
+            <a:r>
+              <a:rPr lang="en-US" sz="1800" dirty="0"/>
+              <a:t>– There are 2 types of unchecked exception, ... and ...</a:t>
+            </a:r>
+          </a:p>
+          <a:p>
+            <a:pPr algn="l"/>
+            <a:r>
+              <a:rPr lang="en-US" sz="1800" dirty="0"/>
+              <a:t>- Categorizing between predicted-exceptional situation and unpredicted-exceptional situation depends on the meaning of the creation of the method. For example, a method receives null parameter could ... or .... The situation where the method recieves null parameter and leads to ... are considered as ... in the code =&gt; these are called </a:t>
+            </a:r>
+            <a:r>
+              <a:rPr lang="en-US" sz="1800" b="1" dirty="0"/>
+              <a:t>runtime exception</a:t>
+            </a:r>
+            <a:endParaRPr lang="en-US" sz="1800" dirty="0"/>
+          </a:p>
+        </p:txBody>
+      </p:sp>
+    </p:spTree>
+    <p:extLst>
+      <p:ext uri="{BB962C8B-B14F-4D97-AF65-F5344CB8AC3E}">
+        <p14:creationId xmlns:p14="http://schemas.microsoft.com/office/powerpoint/2010/main" val="1787205021"/>
+      </p:ext>
+    </p:extLst>
+  </p:cSld>
+  <p:clrMapOvr>
+    <a:masterClrMapping/>
+  </p:clrMapOvr>
+  <p:timing>
+    <p:tnLst>
+      <p:par>
+        <p:cTn id="1" dur="indefinite" restart="never" nodeType="tmRoot">
+          <p:childTnLst>
+            <p:seq concurrent="1" nextAc="seek">
+              <p:cTn id="2" dur="indefinite" nodeType="mainSeq">
+                <p:childTnLst>
+                  <p:par>
+                    <p:cTn id="3" fill="hold">
+                      <p:stCondLst>
+                        <p:cond delay="indefinite"/>
+                      </p:stCondLst>
+                      <p:childTnLst>
+                        <p:par>
+                          <p:cTn id="4" fill="hold">
+                            <p:stCondLst>
+                              <p:cond delay="0"/>
+                            </p:stCondLst>
+                            <p:childTnLst>
+                              <p:par>
+                                <p:cTn id="5" presetID="1" presetClass="entr" presetSubtype="0" fill="hold" nodeType="clickEffect">
+                                  <p:stCondLst>
+                                    <p:cond delay="0"/>
+                                  </p:stCondLst>
+                                  <p:childTnLst>
+                                    <p:set>
+                                      <p:cBhvr>
+                                        <p:cTn id="6" dur="1" fill="hold">
+                                          <p:stCondLst>
+                                            <p:cond delay="0"/>
+                                          </p:stCondLst>
+                                        </p:cTn>
+                                        <p:tgtEl>
+                                          <p:spTgt spid="4">
+                                            <p:txEl>
+                                              <p:pRg st="0" end="0"/>
+                                            </p:txEl>
+                                          </p:spTgt>
+                                        </p:tgtEl>
+                                        <p:attrNameLst>
+                                          <p:attrName>style.visibility</p:attrName>
+                                        </p:attrNameLst>
+                                      </p:cBhvr>
+                                      <p:to>
+                                        <p:strVal val="visible"/>
+                                      </p:to>
+                                    </p:set>
+                                  </p:childTnLst>
+                                </p:cTn>
+                              </p:par>
+                            </p:childTnLst>
+                          </p:cTn>
+                        </p:par>
+                      </p:childTnLst>
+                    </p:cTn>
+                  </p:par>
+                  <p:par>
+                    <p:cTn id="7" fill="hold">
+                      <p:stCondLst>
+                        <p:cond delay="indefinite"/>
+                      </p:stCondLst>
+                      <p:childTnLst>
+                        <p:par>
+                          <p:cTn id="8" fill="hold">
+                            <p:stCondLst>
+                              <p:cond delay="0"/>
+                            </p:stCondLst>
+                            <p:childTnLst>
+                              <p:par>
+                                <p:cTn id="9" presetID="1" presetClass="entr" presetSubtype="0" fill="hold" nodeType="clickEffect">
+                                  <p:stCondLst>
+                                    <p:cond delay="0"/>
+                                  </p:stCondLst>
+                                  <p:childTnLst>
+                                    <p:set>
+                                      <p:cBhvr>
+                                        <p:cTn id="10" dur="1" fill="hold">
+                                          <p:stCondLst>
+                                            <p:cond delay="0"/>
+                                          </p:stCondLst>
+                                        </p:cTn>
+                                        <p:tgtEl>
+                                          <p:spTgt spid="4">
+                                            <p:txEl>
+                                              <p:pRg st="1" end="1"/>
+                                            </p:txEl>
+                                          </p:spTgt>
+                                        </p:tgtEl>
+                                        <p:attrNameLst>
+                                          <p:attrName>style.visibility</p:attrName>
+                                        </p:attrNameLst>
+                                      </p:cBhvr>
+                                      <p:to>
+                                        <p:strVal val="visible"/>
+                                      </p:to>
+                                    </p:set>
+                                  </p:childTnLst>
+                                </p:cTn>
+                              </p:par>
+                            </p:childTnLst>
+                          </p:cTn>
+                        </p:par>
+                      </p:childTnLst>
+                    </p:cTn>
+                  </p:par>
+                  <p:par>
+                    <p:cTn id="11" fill="hold">
+                      <p:stCondLst>
+                        <p:cond delay="indefinite"/>
+                      </p:stCondLst>
+                      <p:childTnLst>
+                        <p:par>
+                          <p:cTn id="12" fill="hold">
+                            <p:stCondLst>
+                              <p:cond delay="0"/>
+                            </p:stCondLst>
+                            <p:childTnLst>
+                              <p:par>
+                                <p:cTn id="13" presetID="1" presetClass="entr" presetSubtype="0" fill="hold" nodeType="clickEffect">
+                                  <p:stCondLst>
+                                    <p:cond delay="0"/>
+                                  </p:stCondLst>
+                                  <p:childTnLst>
+                                    <p:set>
+                                      <p:cBhvr>
+                                        <p:cTn id="14" dur="1" fill="hold">
+                                          <p:stCondLst>
+                                            <p:cond delay="0"/>
+                                          </p:stCondLst>
+                                        </p:cTn>
+                                        <p:tgtEl>
+                                          <p:spTgt spid="4">
+                                            <p:txEl>
+                                              <p:pRg st="2" end="2"/>
+                                            </p:txEl>
+                                          </p:spTgt>
+                                        </p:tgtEl>
+                                        <p:attrNameLst>
+                                          <p:attrName>style.visibility</p:attrName>
+                                        </p:attrNameLst>
+                                      </p:cBhvr>
+                                      <p:to>
+                                        <p:strVal val="visible"/>
+                                      </p:to>
+                                    </p:set>
+                                  </p:childTnLst>
+                                </p:cTn>
+                              </p:par>
+                            </p:childTnLst>
+                          </p:cTn>
+                        </p:par>
+                      </p:childTnLst>
+                    </p:cTn>
+                  </p:par>
+                  <p:par>
+                    <p:cTn id="15" fill="hold">
+                      <p:stCondLst>
+                        <p:cond delay="indefinite"/>
+                      </p:stCondLst>
+                      <p:childTnLst>
+                        <p:par>
+                          <p:cTn id="16" fill="hold">
+                            <p:stCondLst>
+                              <p:cond delay="0"/>
+                            </p:stCondLst>
+                            <p:childTnLst>
+                              <p:par>
+                                <p:cTn id="17" presetID="1" presetClass="entr" presetSubtype="0" fill="hold" nodeType="clickEffect">
+                                  <p:stCondLst>
+                                    <p:cond delay="0"/>
+                                  </p:stCondLst>
+                                  <p:childTnLst>
+                                    <p:set>
+                                      <p:cBhvr>
+                                        <p:cTn id="18" dur="1" fill="hold">
+                                          <p:stCondLst>
+                                            <p:cond delay="0"/>
+                                          </p:stCondLst>
+                                        </p:cTn>
+                                        <p:tgtEl>
+                                          <p:spTgt spid="4">
+                                            <p:txEl>
+                                              <p:pRg st="3" end="3"/>
+                                            </p:txEl>
+                                          </p:spTgt>
+                                        </p:tgtEl>
+                                        <p:attrNameLst>
+                                          <p:attrName>style.visibility</p:attrName>
+                                        </p:attrNameLst>
+                                      </p:cBhvr>
+                                      <p:to>
+                                        <p:strVal val="visible"/>
+                                      </p:to>
+                                    </p:set>
+                                  </p:childTnLst>
+                                </p:cTn>
+                              </p:par>
+                            </p:childTnLst>
+                          </p:cTn>
+                        </p:par>
+                      </p:childTnLst>
+                    </p:cTn>
+                  </p:par>
+                  <p:par>
+                    <p:cTn id="19" fill="hold">
+                      <p:stCondLst>
+                        <p:cond delay="indefinite"/>
+                      </p:stCondLst>
+                      <p:childTnLst>
+                        <p:par>
+                          <p:cTn id="20" fill="hold">
+                            <p:stCondLst>
+                              <p:cond delay="0"/>
+                            </p:stCondLst>
+                            <p:childTnLst>
+                              <p:par>
+                                <p:cTn id="21" presetID="1" presetClass="entr" presetSubtype="0" fill="hold" nodeType="clickEffect">
+                                  <p:stCondLst>
+                                    <p:cond delay="0"/>
+                                  </p:stCondLst>
+                                  <p:childTnLst>
+                                    <p:set>
+                                      <p:cBhvr>
+                                        <p:cTn id="22" dur="1" fill="hold">
+                                          <p:stCondLst>
+                                            <p:cond delay="0"/>
+                                          </p:stCondLst>
+                                        </p:cTn>
+                                        <p:tgtEl>
+                                          <p:spTgt spid="4">
+                                            <p:txEl>
+                                              <p:pRg st="4" end="4"/>
+                                            </p:txEl>
+                                          </p:spTgt>
+                                        </p:tgtEl>
+                                        <p:attrNameLst>
+                                          <p:attrName>style.visibility</p:attrName>
+                                        </p:attrNameLst>
+                                      </p:cBhvr>
+                                      <p:to>
+                                        <p:strVal val="visible"/>
+                                      </p:to>
+                                    </p:set>
+                                  </p:childTnLst>
+                                </p:cTn>
+                              </p:par>
+                            </p:childTnLst>
+                          </p:cTn>
+                        </p:par>
+                      </p:childTnLst>
+                    </p:cTn>
+                  </p:par>
+                  <p:par>
+                    <p:cTn id="23" fill="hold">
+                      <p:stCondLst>
+                        <p:cond delay="indefinite"/>
+                      </p:stCondLst>
+                      <p:childTnLst>
+                        <p:par>
+                          <p:cTn id="24" fill="hold">
+                            <p:stCondLst>
+                              <p:cond delay="0"/>
+                            </p:stCondLst>
+                            <p:childTnLst>
+                              <p:par>
+                                <p:cTn id="25" presetID="1" presetClass="entr" presetSubtype="0" fill="hold" nodeType="clickEffect">
+                                  <p:stCondLst>
+                                    <p:cond delay="0"/>
+                                  </p:stCondLst>
+                                  <p:childTnLst>
+                                    <p:set>
+                                      <p:cBhvr>
+                                        <p:cTn id="26" dur="1" fill="hold">
+                                          <p:stCondLst>
+                                            <p:cond delay="0"/>
+                                          </p:stCondLst>
+                                        </p:cTn>
+                                        <p:tgtEl>
+                                          <p:spTgt spid="4">
+                                            <p:txEl>
+                                              <p:pRg st="5" end="5"/>
                                             </p:txEl>
                                           </p:spTgt>
                                         </p:tgtEl>
